--- a/SSVEP.pptx
+++ b/SSVEP.pptx
@@ -120,6 +120,11 @@
       </a:defRPr>
     </a:lvl9pPr>
   </p:defaultTextStyle>
+  <p:extLst>
+    <p:ext uri="{EFAFB233-063F-42B5-8137-9DF3F51BA10A}">
+      <p15:sldGuideLst xmlns:p15="http://schemas.microsoft.com/office/powerpoint/2012/main"/>
+    </p:ext>
+  </p:extLst>
 </p:presentation>
 </file>
 
@@ -574,7 +579,7 @@
           <a:p>
             <a:fld id="{6D1EF51C-361C-47C5-B0E5-B679C02A7248}" type="datetimeFigureOut">
               <a:rPr lang="en-IE" smtClean="0"/>
-              <a:t>24/07/2024</a:t>
+              <a:t>26/07/2024</a:t>
             </a:fld>
             <a:endParaRPr lang="en-IE"/>
           </a:p>
@@ -774,7 +779,7 @@
           <a:p>
             <a:fld id="{6D1EF51C-361C-47C5-B0E5-B679C02A7248}" type="datetimeFigureOut">
               <a:rPr lang="en-IE" smtClean="0"/>
-              <a:t>24/07/2024</a:t>
+              <a:t>26/07/2024</a:t>
             </a:fld>
             <a:endParaRPr lang="en-IE"/>
           </a:p>
@@ -984,7 +989,7 @@
           <a:p>
             <a:fld id="{6D1EF51C-361C-47C5-B0E5-B679C02A7248}" type="datetimeFigureOut">
               <a:rPr lang="en-IE" smtClean="0"/>
-              <a:t>24/07/2024</a:t>
+              <a:t>26/07/2024</a:t>
             </a:fld>
             <a:endParaRPr lang="en-IE"/>
           </a:p>
@@ -1184,7 +1189,7 @@
           <a:p>
             <a:fld id="{6D1EF51C-361C-47C5-B0E5-B679C02A7248}" type="datetimeFigureOut">
               <a:rPr lang="en-IE" smtClean="0"/>
-              <a:t>24/07/2024</a:t>
+              <a:t>26/07/2024</a:t>
             </a:fld>
             <a:endParaRPr lang="en-IE"/>
           </a:p>
@@ -1460,7 +1465,7 @@
           <a:p>
             <a:fld id="{6D1EF51C-361C-47C5-B0E5-B679C02A7248}" type="datetimeFigureOut">
               <a:rPr lang="en-IE" smtClean="0"/>
-              <a:t>24/07/2024</a:t>
+              <a:t>26/07/2024</a:t>
             </a:fld>
             <a:endParaRPr lang="en-IE"/>
           </a:p>
@@ -1728,7 +1733,7 @@
           <a:p>
             <a:fld id="{6D1EF51C-361C-47C5-B0E5-B679C02A7248}" type="datetimeFigureOut">
               <a:rPr lang="en-IE" smtClean="0"/>
-              <a:t>24/07/2024</a:t>
+              <a:t>26/07/2024</a:t>
             </a:fld>
             <a:endParaRPr lang="en-IE"/>
           </a:p>
@@ -2143,7 +2148,7 @@
           <a:p>
             <a:fld id="{6D1EF51C-361C-47C5-B0E5-B679C02A7248}" type="datetimeFigureOut">
               <a:rPr lang="en-IE" smtClean="0"/>
-              <a:t>24/07/2024</a:t>
+              <a:t>26/07/2024</a:t>
             </a:fld>
             <a:endParaRPr lang="en-IE"/>
           </a:p>
@@ -2285,7 +2290,7 @@
           <a:p>
             <a:fld id="{6D1EF51C-361C-47C5-B0E5-B679C02A7248}" type="datetimeFigureOut">
               <a:rPr lang="en-IE" smtClean="0"/>
-              <a:t>24/07/2024</a:t>
+              <a:t>26/07/2024</a:t>
             </a:fld>
             <a:endParaRPr lang="en-IE"/>
           </a:p>
@@ -2398,7 +2403,7 @@
           <a:p>
             <a:fld id="{6D1EF51C-361C-47C5-B0E5-B679C02A7248}" type="datetimeFigureOut">
               <a:rPr lang="en-IE" smtClean="0"/>
-              <a:t>24/07/2024</a:t>
+              <a:t>26/07/2024</a:t>
             </a:fld>
             <a:endParaRPr lang="en-IE"/>
           </a:p>
@@ -2711,7 +2716,7 @@
           <a:p>
             <a:fld id="{6D1EF51C-361C-47C5-B0E5-B679C02A7248}" type="datetimeFigureOut">
               <a:rPr lang="en-IE" smtClean="0"/>
-              <a:t>24/07/2024</a:t>
+              <a:t>26/07/2024</a:t>
             </a:fld>
             <a:endParaRPr lang="en-IE"/>
           </a:p>
@@ -3000,7 +3005,7 @@
           <a:p>
             <a:fld id="{6D1EF51C-361C-47C5-B0E5-B679C02A7248}" type="datetimeFigureOut">
               <a:rPr lang="en-IE" smtClean="0"/>
-              <a:t>24/07/2024</a:t>
+              <a:t>26/07/2024</a:t>
             </a:fld>
             <a:endParaRPr lang="en-IE"/>
           </a:p>
@@ -3243,7 +3248,7 @@
           <a:p>
             <a:fld id="{6D1EF51C-361C-47C5-B0E5-B679C02A7248}" type="datetimeFigureOut">
               <a:rPr lang="en-IE" smtClean="0"/>
-              <a:t>24/07/2024</a:t>
+              <a:t>26/07/2024</a:t>
             </a:fld>
             <a:endParaRPr lang="en-IE"/>
           </a:p>
@@ -3768,31 +3773,66 @@
           </a:p>
         </p:txBody>
       </p:sp>
-      <p:sp>
-        <p:nvSpPr>
-          <p:cNvPr id="3" name="Content Placeholder 2">
-            <a:extLst>
-              <a:ext uri="{FF2B5EF4-FFF2-40B4-BE49-F238E27FC236}">
-                <a16:creationId xmlns:a16="http://schemas.microsoft.com/office/drawing/2014/main" id="{015B2F7F-BBDF-693B-2B59-835B898B5FC8}"/>
-              </a:ext>
-            </a:extLst>
-          </p:cNvPr>
-          <p:cNvSpPr>
-            <a:spLocks noGrp="1"/>
-          </p:cNvSpPr>
-          <p:nvPr>
-            <p:ph idx="1"/>
-          </p:nvPr>
-        </p:nvSpPr>
-        <p:spPr/>
-        <p:txBody>
-          <a:bodyPr/>
-          <a:lstStyle/>
-          <a:p>
-            <a:endParaRPr lang="en-IE"/>
-          </a:p>
-        </p:txBody>
-      </p:sp>
+      <p:pic>
+        <p:nvPicPr>
+          <p:cNvPr id="5" name="Picture 4">
+            <a:extLst>
+              <a:ext uri="{FF2B5EF4-FFF2-40B4-BE49-F238E27FC236}">
+                <a16:creationId xmlns:a16="http://schemas.microsoft.com/office/drawing/2014/main" id="{F0FEE591-1C83-0C5C-4339-ABF8F32A8F97}"/>
+              </a:ext>
+            </a:extLst>
+          </p:cNvPr>
+          <p:cNvPicPr>
+            <a:picLocks noChangeAspect="1"/>
+          </p:cNvPicPr>
+          <p:nvPr/>
+        </p:nvPicPr>
+        <p:blipFill>
+          <a:blip r:embed="rId2"/>
+          <a:stretch>
+            <a:fillRect/>
+          </a:stretch>
+        </p:blipFill>
+        <p:spPr>
+          <a:xfrm>
+            <a:off x="1036674" y="2176463"/>
+            <a:ext cx="5334000" cy="4000500"/>
+          </a:xfrm>
+          <a:prstGeom prst="rect">
+            <a:avLst/>
+          </a:prstGeom>
+        </p:spPr>
+      </p:pic>
+      <p:pic>
+        <p:nvPicPr>
+          <p:cNvPr id="7" name="Picture 6">
+            <a:extLst>
+              <a:ext uri="{FF2B5EF4-FFF2-40B4-BE49-F238E27FC236}">
+                <a16:creationId xmlns:a16="http://schemas.microsoft.com/office/drawing/2014/main" id="{D7D0CC23-D8C8-E5EA-F14D-E1DB5A0ADEEA}"/>
+              </a:ext>
+            </a:extLst>
+          </p:cNvPr>
+          <p:cNvPicPr>
+            <a:picLocks noChangeAspect="1"/>
+          </p:cNvPicPr>
+          <p:nvPr/>
+        </p:nvPicPr>
+        <p:blipFill>
+          <a:blip r:embed="rId3"/>
+          <a:stretch>
+            <a:fillRect/>
+          </a:stretch>
+        </p:blipFill>
+        <p:spPr>
+          <a:xfrm>
+            <a:off x="6019800" y="2176463"/>
+            <a:ext cx="5334000" cy="4000500"/>
+          </a:xfrm>
+          <a:prstGeom prst="rect">
+            <a:avLst/>
+          </a:prstGeom>
+        </p:spPr>
+      </p:pic>
     </p:spTree>
     <p:extLst>
       <p:ext uri="{BB962C8B-B14F-4D97-AF65-F5344CB8AC3E}">
@@ -3844,7 +3884,15 @@
           <a:bodyPr/>
           <a:lstStyle/>
           <a:p>
-            <a:endParaRPr lang="en-IE"/>
+            <a:r>
+              <a:rPr lang="en-IE" dirty="0"/>
+              <a:t>FDI vs BCP (correct </a:t>
+            </a:r>
+            <a:r>
+              <a:rPr lang="en-IE"/>
+              <a:t>-wrong) both A24</a:t>
+            </a:r>
+            <a:endParaRPr lang="en-IE" dirty="0"/>
           </a:p>
         </p:txBody>
       </p:sp>
@@ -3873,6 +3921,36 @@
           </a:p>
         </p:txBody>
       </p:sp>
+      <p:pic>
+        <p:nvPicPr>
+          <p:cNvPr id="5" name="Picture 4">
+            <a:extLst>
+              <a:ext uri="{FF2B5EF4-FFF2-40B4-BE49-F238E27FC236}">
+                <a16:creationId xmlns:a16="http://schemas.microsoft.com/office/drawing/2014/main" id="{74E3E72B-46F0-07E7-E2CA-32317B2BDD89}"/>
+              </a:ext>
+            </a:extLst>
+          </p:cNvPr>
+          <p:cNvPicPr>
+            <a:picLocks noChangeAspect="1"/>
+          </p:cNvPicPr>
+          <p:nvPr/>
+        </p:nvPicPr>
+        <p:blipFill>
+          <a:blip r:embed="rId2"/>
+          <a:stretch>
+            <a:fillRect/>
+          </a:stretch>
+        </p:blipFill>
+        <p:spPr>
+          <a:xfrm>
+            <a:off x="0" y="3202959"/>
+            <a:ext cx="12192000" cy="3386667"/>
+          </a:xfrm>
+          <a:prstGeom prst="rect">
+            <a:avLst/>
+          </a:prstGeom>
+        </p:spPr>
+      </p:pic>
     </p:spTree>
     <p:extLst>
       <p:ext uri="{BB962C8B-B14F-4D97-AF65-F5344CB8AC3E}">
@@ -3905,6 +3983,61 @@
       </p:grpSpPr>
       <p:sp>
         <p:nvSpPr>
+          <p:cNvPr id="3" name="Content Placeholder 2">
+            <a:extLst>
+              <a:ext uri="{FF2B5EF4-FFF2-40B4-BE49-F238E27FC236}">
+                <a16:creationId xmlns:a16="http://schemas.microsoft.com/office/drawing/2014/main" id="{F4885C67-0137-3B06-B092-0F8B20237A3F}"/>
+              </a:ext>
+            </a:extLst>
+          </p:cNvPr>
+          <p:cNvSpPr>
+            <a:spLocks noGrp="1"/>
+          </p:cNvSpPr>
+          <p:nvPr>
+            <p:ph idx="1"/>
+          </p:nvPr>
+        </p:nvSpPr>
+        <p:spPr/>
+        <p:txBody>
+          <a:bodyPr/>
+          <a:lstStyle/>
+          <a:p>
+            <a:endParaRPr lang="en-IE"/>
+          </a:p>
+        </p:txBody>
+      </p:sp>
+      <p:pic>
+        <p:nvPicPr>
+          <p:cNvPr id="5" name="Picture 4">
+            <a:extLst>
+              <a:ext uri="{FF2B5EF4-FFF2-40B4-BE49-F238E27FC236}">
+                <a16:creationId xmlns:a16="http://schemas.microsoft.com/office/drawing/2014/main" id="{4A38D873-3F71-A5D4-C766-CF3F2DD1CEC6}"/>
+              </a:ext>
+            </a:extLst>
+          </p:cNvPr>
+          <p:cNvPicPr>
+            <a:picLocks noChangeAspect="1"/>
+          </p:cNvPicPr>
+          <p:nvPr/>
+        </p:nvPicPr>
+        <p:blipFill>
+          <a:blip r:embed="rId2"/>
+          <a:stretch>
+            <a:fillRect/>
+          </a:stretch>
+        </p:blipFill>
+        <p:spPr>
+          <a:xfrm>
+            <a:off x="0" y="1341074"/>
+            <a:ext cx="12192000" cy="6196038"/>
+          </a:xfrm>
+          <a:prstGeom prst="rect">
+            <a:avLst/>
+          </a:prstGeom>
+        </p:spPr>
+      </p:pic>
+      <p:sp>
+        <p:nvSpPr>
           <p:cNvPr id="2" name="Title 1">
             <a:extLst>
               <a:ext uri="{FF2B5EF4-FFF2-40B4-BE49-F238E27FC236}">
@@ -3919,37 +4052,27 @@
             <p:ph type="title"/>
           </p:nvPr>
         </p:nvSpPr>
-        <p:spPr/>
-        <p:txBody>
-          <a:bodyPr/>
-          <a:lstStyle/>
-          <a:p>
-            <a:endParaRPr lang="en-IE"/>
-          </a:p>
-        </p:txBody>
-      </p:sp>
-      <p:sp>
-        <p:nvSpPr>
-          <p:cNvPr id="3" name="Content Placeholder 2">
-            <a:extLst>
-              <a:ext uri="{FF2B5EF4-FFF2-40B4-BE49-F238E27FC236}">
-                <a16:creationId xmlns:a16="http://schemas.microsoft.com/office/drawing/2014/main" id="{F4885C67-0137-3B06-B092-0F8B20237A3F}"/>
-              </a:ext>
-            </a:extLst>
-          </p:cNvPr>
-          <p:cNvSpPr>
-            <a:spLocks noGrp="1"/>
-          </p:cNvSpPr>
-          <p:nvPr>
-            <p:ph idx="1"/>
-          </p:nvPr>
-        </p:nvSpPr>
-        <p:spPr/>
-        <p:txBody>
-          <a:bodyPr/>
-          <a:lstStyle/>
-          <a:p>
-            <a:endParaRPr lang="en-IE"/>
+        <p:spPr>
+          <a:xfrm>
+            <a:off x="955158" y="-190943"/>
+            <a:ext cx="10515600" cy="2133526"/>
+          </a:xfrm>
+        </p:spPr>
+        <p:txBody>
+          <a:bodyPr/>
+          <a:lstStyle/>
+          <a:p>
+            <a:r>
+              <a:rPr lang="en-IE" dirty="0"/>
+              <a:t>BCP (2) slightly higher at first but lower slop, lasting longer</a:t>
+            </a:r>
+            <a:br>
+              <a:rPr lang="en-IE" dirty="0"/>
+            </a:br>
+            <a:r>
+              <a:rPr lang="en-IE" dirty="0"/>
+              <a:t>FDI higher in the steady stage</a:t>
+            </a:r>
           </a:p>
         </p:txBody>
       </p:sp>
@@ -4008,31 +4131,65 @@
           </a:p>
         </p:txBody>
       </p:sp>
-      <p:sp>
-        <p:nvSpPr>
-          <p:cNvPr id="3" name="Content Placeholder 2">
-            <a:extLst>
-              <a:ext uri="{FF2B5EF4-FFF2-40B4-BE49-F238E27FC236}">
-                <a16:creationId xmlns:a16="http://schemas.microsoft.com/office/drawing/2014/main" id="{25EC27F7-A523-73DC-4855-800FD0389438}"/>
-              </a:ext>
-            </a:extLst>
-          </p:cNvPr>
-          <p:cNvSpPr>
-            <a:spLocks noGrp="1"/>
-          </p:cNvSpPr>
+      <p:pic>
+        <p:nvPicPr>
+          <p:cNvPr id="7" name="Content Placeholder 6">
+            <a:extLst>
+              <a:ext uri="{FF2B5EF4-FFF2-40B4-BE49-F238E27FC236}">
+                <a16:creationId xmlns:a16="http://schemas.microsoft.com/office/drawing/2014/main" id="{F6924726-3C30-3D99-5BDA-2C0204A158E3}"/>
+              </a:ext>
+            </a:extLst>
+          </p:cNvPr>
+          <p:cNvPicPr>
+            <a:picLocks noGrp="1" noChangeAspect="1"/>
+          </p:cNvPicPr>
           <p:nvPr>
             <p:ph idx="1"/>
           </p:nvPr>
-        </p:nvSpPr>
-        <p:spPr/>
-        <p:txBody>
-          <a:bodyPr/>
-          <a:lstStyle/>
-          <a:p>
-            <a:endParaRPr lang="en-IE"/>
-          </a:p>
-        </p:txBody>
-      </p:sp>
+        </p:nvPicPr>
+        <p:blipFill>
+          <a:blip r:embed="rId2"/>
+          <a:stretch>
+            <a:fillRect/>
+          </a:stretch>
+        </p:blipFill>
+        <p:spPr>
+          <a:xfrm>
+            <a:off x="6019800" y="1917848"/>
+            <a:ext cx="5334000" cy="4000500"/>
+          </a:xfrm>
+        </p:spPr>
+      </p:pic>
+      <p:pic>
+        <p:nvPicPr>
+          <p:cNvPr id="5" name="Picture 4">
+            <a:extLst>
+              <a:ext uri="{FF2B5EF4-FFF2-40B4-BE49-F238E27FC236}">
+                <a16:creationId xmlns:a16="http://schemas.microsoft.com/office/drawing/2014/main" id="{FC97369A-EC20-C135-1F6B-4A4528160741}"/>
+              </a:ext>
+            </a:extLst>
+          </p:cNvPr>
+          <p:cNvPicPr>
+            <a:picLocks noChangeAspect="1"/>
+          </p:cNvPicPr>
+          <p:nvPr/>
+        </p:nvPicPr>
+        <p:blipFill>
+          <a:blip r:embed="rId3"/>
+          <a:stretch>
+            <a:fillRect/>
+          </a:stretch>
+        </p:blipFill>
+        <p:spPr>
+          <a:xfrm>
+            <a:off x="762000" y="1917848"/>
+            <a:ext cx="5334000" cy="4000500"/>
+          </a:xfrm>
+          <a:prstGeom prst="rect">
+            <a:avLst/>
+          </a:prstGeom>
+        </p:spPr>
+      </p:pic>
     </p:spTree>
     <p:extLst>
       <p:ext uri="{BB962C8B-B14F-4D97-AF65-F5344CB8AC3E}">
@@ -4413,8 +4570,8 @@
           </a:prstGeom>
         </p:spPr>
       </p:pic>
-      <mc:AlternateContent xmlns:mc="http://schemas.openxmlformats.org/markup-compatibility/2006">
-        <mc:Choice xmlns:p14="http://schemas.microsoft.com/office/powerpoint/2010/main" xmlns:aink="http://schemas.microsoft.com/office/drawing/2016/ink" Requires="p14 aink">
+      <mc:AlternateContent xmlns:mc="http://schemas.openxmlformats.org/markup-compatibility/2006" xmlns:p14="http://schemas.microsoft.com/office/powerpoint/2010/main" xmlns:aink="http://schemas.microsoft.com/office/drawing/2016/ink">
+        <mc:Choice Requires="p14 aink">
           <p:contentPart p14:bwMode="auto" r:id="rId3">
             <p14:nvContentPartPr>
               <p14:cNvPr id="8" name="Ink 7">
@@ -4433,7 +4590,7 @@
             </p14:xfrm>
           </p:contentPart>
         </mc:Choice>
-        <mc:Fallback>
+        <mc:Fallback xmlns="">
           <p:pic>
             <p:nvPicPr>
               <p:cNvPr id="8" name="Ink 7">
@@ -4484,8 +4641,8 @@
             <a:chExt cx="1126440" cy="638280"/>
           </a:xfrm>
         </p:grpSpPr>
-        <mc:AlternateContent xmlns:mc="http://schemas.openxmlformats.org/markup-compatibility/2006">
-          <mc:Choice xmlns:p14="http://schemas.microsoft.com/office/powerpoint/2010/main" Requires="p14">
+        <mc:AlternateContent xmlns:mc="http://schemas.openxmlformats.org/markup-compatibility/2006" xmlns:p14="http://schemas.microsoft.com/office/powerpoint/2010/main">
+          <mc:Choice Requires="p14">
             <p:contentPart p14:bwMode="auto" r:id="rId5">
               <p14:nvContentPartPr>
                 <p14:cNvPr id="11" name="Ink 10">
@@ -4504,7 +4661,7 @@
               </p14:xfrm>
             </p:contentPart>
           </mc:Choice>
-          <mc:Fallback>
+          <mc:Fallback xmlns="">
             <p:pic>
               <p:nvPicPr>
                 <p:cNvPr id="11" name="Ink 10">
@@ -4535,8 +4692,8 @@
             </p:pic>
           </mc:Fallback>
         </mc:AlternateContent>
-        <mc:AlternateContent xmlns:mc="http://schemas.openxmlformats.org/markup-compatibility/2006">
-          <mc:Choice xmlns:p14="http://schemas.microsoft.com/office/powerpoint/2010/main" Requires="p14">
+        <mc:AlternateContent xmlns:mc="http://schemas.openxmlformats.org/markup-compatibility/2006" xmlns:p14="http://schemas.microsoft.com/office/powerpoint/2010/main">
+          <mc:Choice Requires="p14">
             <p:contentPart p14:bwMode="auto" r:id="rId7">
               <p14:nvContentPartPr>
                 <p14:cNvPr id="12" name="Ink 11">
@@ -4555,7 +4712,7 @@
               </p14:xfrm>
             </p:contentPart>
           </mc:Choice>
-          <mc:Fallback>
+          <mc:Fallback xmlns="">
             <p:pic>
               <p:nvPicPr>
                 <p:cNvPr id="12" name="Ink 11">
@@ -4586,8 +4743,8 @@
             </p:pic>
           </mc:Fallback>
         </mc:AlternateContent>
-        <mc:AlternateContent xmlns:mc="http://schemas.openxmlformats.org/markup-compatibility/2006">
-          <mc:Choice xmlns:p14="http://schemas.microsoft.com/office/powerpoint/2010/main" Requires="p14">
+        <mc:AlternateContent xmlns:mc="http://schemas.openxmlformats.org/markup-compatibility/2006" xmlns:p14="http://schemas.microsoft.com/office/powerpoint/2010/main">
+          <mc:Choice Requires="p14">
             <p:contentPart p14:bwMode="auto" r:id="rId9">
               <p14:nvContentPartPr>
                 <p14:cNvPr id="13" name="Ink 12">
@@ -4606,7 +4763,7 @@
               </p14:xfrm>
             </p:contentPart>
           </mc:Choice>
-          <mc:Fallback>
+          <mc:Fallback xmlns="">
             <p:pic>
               <p:nvPicPr>
                 <p:cNvPr id="13" name="Ink 12">
@@ -4637,8 +4794,8 @@
             </p:pic>
           </mc:Fallback>
         </mc:AlternateContent>
-        <mc:AlternateContent xmlns:mc="http://schemas.openxmlformats.org/markup-compatibility/2006">
-          <mc:Choice xmlns:p14="http://schemas.microsoft.com/office/powerpoint/2010/main" Requires="p14">
+        <mc:AlternateContent xmlns:mc="http://schemas.openxmlformats.org/markup-compatibility/2006" xmlns:p14="http://schemas.microsoft.com/office/powerpoint/2010/main">
+          <mc:Choice Requires="p14">
             <p:contentPart p14:bwMode="auto" r:id="rId11">
               <p14:nvContentPartPr>
                 <p14:cNvPr id="14" name="Ink 13">
@@ -4657,7 +4814,7 @@
               </p14:xfrm>
             </p:contentPart>
           </mc:Choice>
-          <mc:Fallback>
+          <mc:Fallback xmlns="">
             <p:pic>
               <p:nvPicPr>
                 <p:cNvPr id="14" name="Ink 13">
@@ -4688,8 +4845,8 @@
             </p:pic>
           </mc:Fallback>
         </mc:AlternateContent>
-        <mc:AlternateContent xmlns:mc="http://schemas.openxmlformats.org/markup-compatibility/2006">
-          <mc:Choice xmlns:p14="http://schemas.microsoft.com/office/powerpoint/2010/main" Requires="p14">
+        <mc:AlternateContent xmlns:mc="http://schemas.openxmlformats.org/markup-compatibility/2006" xmlns:p14="http://schemas.microsoft.com/office/powerpoint/2010/main">
+          <mc:Choice Requires="p14">
             <p:contentPart p14:bwMode="auto" r:id="rId13">
               <p14:nvContentPartPr>
                 <p14:cNvPr id="16" name="Ink 15">
@@ -4708,7 +4865,7 @@
               </p14:xfrm>
             </p:contentPart>
           </mc:Choice>
-          <mc:Fallback>
+          <mc:Fallback xmlns="">
             <p:pic>
               <p:nvPicPr>
                 <p:cNvPr id="16" name="Ink 15">
@@ -4740,8 +4897,8 @@
           </mc:Fallback>
         </mc:AlternateContent>
       </p:grpSp>
-      <mc:AlternateContent xmlns:mc="http://schemas.openxmlformats.org/markup-compatibility/2006">
-        <mc:Choice xmlns:p14="http://schemas.microsoft.com/office/powerpoint/2010/main" Requires="p14">
+      <mc:AlternateContent xmlns:mc="http://schemas.openxmlformats.org/markup-compatibility/2006" xmlns:p14="http://schemas.microsoft.com/office/powerpoint/2010/main">
+        <mc:Choice Requires="p14">
           <p:contentPart p14:bwMode="auto" r:id="rId15">
             <p14:nvContentPartPr>
               <p14:cNvPr id="18" name="Ink 17">
@@ -4760,7 +4917,7 @@
             </p14:xfrm>
           </p:contentPart>
         </mc:Choice>
-        <mc:Fallback>
+        <mc:Fallback xmlns="">
           <p:pic>
             <p:nvPicPr>
               <p:cNvPr id="18" name="Ink 17">
@@ -4811,8 +4968,8 @@
             <a:chExt cx="929520" cy="598680"/>
           </a:xfrm>
         </p:grpSpPr>
-        <mc:AlternateContent xmlns:mc="http://schemas.openxmlformats.org/markup-compatibility/2006">
-          <mc:Choice xmlns:p14="http://schemas.microsoft.com/office/powerpoint/2010/main" Requires="p14">
+        <mc:AlternateContent xmlns:mc="http://schemas.openxmlformats.org/markup-compatibility/2006" xmlns:p14="http://schemas.microsoft.com/office/powerpoint/2010/main">
+          <mc:Choice Requires="p14">
             <p:contentPart p14:bwMode="auto" r:id="rId17">
               <p14:nvContentPartPr>
                 <p14:cNvPr id="19" name="Ink 18">
@@ -4831,7 +4988,7 @@
               </p14:xfrm>
             </p:contentPart>
           </mc:Choice>
-          <mc:Fallback>
+          <mc:Fallback xmlns="">
             <p:pic>
               <p:nvPicPr>
                 <p:cNvPr id="19" name="Ink 18">
@@ -4862,8 +5019,8 @@
             </p:pic>
           </mc:Fallback>
         </mc:AlternateContent>
-        <mc:AlternateContent xmlns:mc="http://schemas.openxmlformats.org/markup-compatibility/2006">
-          <mc:Choice xmlns:p14="http://schemas.microsoft.com/office/powerpoint/2010/main" Requires="p14">
+        <mc:AlternateContent xmlns:mc="http://schemas.openxmlformats.org/markup-compatibility/2006" xmlns:p14="http://schemas.microsoft.com/office/powerpoint/2010/main">
+          <mc:Choice Requires="p14">
             <p:contentPart p14:bwMode="auto" r:id="rId19">
               <p14:nvContentPartPr>
                 <p14:cNvPr id="20" name="Ink 19">
@@ -4882,7 +5039,7 @@
               </p14:xfrm>
             </p:contentPart>
           </mc:Choice>
-          <mc:Fallback>
+          <mc:Fallback xmlns="">
             <p:pic>
               <p:nvPicPr>
                 <p:cNvPr id="20" name="Ink 19">
@@ -4913,8 +5070,8 @@
             </p:pic>
           </mc:Fallback>
         </mc:AlternateContent>
-        <mc:AlternateContent xmlns:mc="http://schemas.openxmlformats.org/markup-compatibility/2006">
-          <mc:Choice xmlns:p14="http://schemas.microsoft.com/office/powerpoint/2010/main" Requires="p14">
+        <mc:AlternateContent xmlns:mc="http://schemas.openxmlformats.org/markup-compatibility/2006" xmlns:p14="http://schemas.microsoft.com/office/powerpoint/2010/main">
+          <mc:Choice Requires="p14">
             <p:contentPart p14:bwMode="auto" r:id="rId21">
               <p14:nvContentPartPr>
                 <p14:cNvPr id="21" name="Ink 20">
@@ -4933,7 +5090,7 @@
               </p14:xfrm>
             </p:contentPart>
           </mc:Choice>
-          <mc:Fallback>
+          <mc:Fallback xmlns="">
             <p:pic>
               <p:nvPicPr>
                 <p:cNvPr id="21" name="Ink 20">
@@ -4964,8 +5121,8 @@
             </p:pic>
           </mc:Fallback>
         </mc:AlternateContent>
-        <mc:AlternateContent xmlns:mc="http://schemas.openxmlformats.org/markup-compatibility/2006">
-          <mc:Choice xmlns:p14="http://schemas.microsoft.com/office/powerpoint/2010/main" Requires="p14">
+        <mc:AlternateContent xmlns:mc="http://schemas.openxmlformats.org/markup-compatibility/2006" xmlns:p14="http://schemas.microsoft.com/office/powerpoint/2010/main">
+          <mc:Choice Requires="p14">
             <p:contentPart p14:bwMode="auto" r:id="rId23">
               <p14:nvContentPartPr>
                 <p14:cNvPr id="22" name="Ink 21">
@@ -4984,7 +5141,7 @@
               </p14:xfrm>
             </p:contentPart>
           </mc:Choice>
-          <mc:Fallback>
+          <mc:Fallback xmlns="">
             <p:pic>
               <p:nvPicPr>
                 <p:cNvPr id="22" name="Ink 21">
@@ -5155,12 +5312,21 @@
             <p:ph type="title"/>
           </p:nvPr>
         </p:nvSpPr>
-        <p:spPr/>
-        <p:txBody>
-          <a:bodyPr/>
-          <a:lstStyle/>
-          <a:p>
-            <a:endParaRPr lang="en-IE"/>
+        <p:spPr>
+          <a:xfrm>
+            <a:off x="838200" y="190092"/>
+            <a:ext cx="10515600" cy="1325563"/>
+          </a:xfrm>
+        </p:spPr>
+        <p:txBody>
+          <a:bodyPr/>
+          <a:lstStyle/>
+          <a:p>
+            <a:r>
+              <a:rPr lang="en-US" altLang="zh-CN" dirty="0"/>
+              <a:t>Low vs high</a:t>
+            </a:r>
+            <a:endParaRPr lang="en-IE" dirty="0"/>
           </a:p>
         </p:txBody>
       </p:sp>
@@ -5186,6 +5352,81 @@
           <a:lstStyle/>
           <a:p>
             <a:endParaRPr lang="en-IE"/>
+          </a:p>
+        </p:txBody>
+      </p:sp>
+      <p:pic>
+        <p:nvPicPr>
+          <p:cNvPr id="5" name="Picture 4">
+            <a:extLst>
+              <a:ext uri="{FF2B5EF4-FFF2-40B4-BE49-F238E27FC236}">
+                <a16:creationId xmlns:a16="http://schemas.microsoft.com/office/drawing/2014/main" id="{2629B818-497A-F373-2733-3F25E6E52E0F}"/>
+              </a:ext>
+            </a:extLst>
+          </p:cNvPr>
+          <p:cNvPicPr>
+            <a:picLocks noChangeAspect="1"/>
+          </p:cNvPicPr>
+          <p:nvPr/>
+        </p:nvPicPr>
+        <p:blipFill>
+          <a:blip r:embed="rId2"/>
+          <a:stretch>
+            <a:fillRect/>
+          </a:stretch>
+        </p:blipFill>
+        <p:spPr>
+          <a:xfrm>
+            <a:off x="0" y="1078095"/>
+            <a:ext cx="12192000" cy="6196038"/>
+          </a:xfrm>
+          <a:prstGeom prst="rect">
+            <a:avLst/>
+          </a:prstGeom>
+        </p:spPr>
+      </p:pic>
+      <p:sp>
+        <p:nvSpPr>
+          <p:cNvPr id="7" name="TextBox 6">
+            <a:extLst>
+              <a:ext uri="{FF2B5EF4-FFF2-40B4-BE49-F238E27FC236}">
+                <a16:creationId xmlns:a16="http://schemas.microsoft.com/office/drawing/2014/main" id="{3DA7F98C-DD72-1166-EC21-142EDF22D031}"/>
+              </a:ext>
+            </a:extLst>
+          </p:cNvPr>
+          <p:cNvSpPr txBox="1"/>
+          <p:nvPr/>
+        </p:nvSpPr>
+        <p:spPr>
+          <a:xfrm>
+            <a:off x="0" y="6695634"/>
+            <a:ext cx="6097772" cy="369332"/>
+          </a:xfrm>
+          <a:prstGeom prst="rect">
+            <a:avLst/>
+          </a:prstGeom>
+          <a:noFill/>
+        </p:spPr>
+        <p:txBody>
+          <a:bodyPr wrap="square">
+            <a:spAutoFit/>
+          </a:bodyPr>
+          <a:lstStyle/>
+          <a:p>
+            <a:r>
+              <a:rPr lang="en-US" sz="1800" b="0" i="0" dirty="0">
+                <a:solidFill>
+                  <a:srgbClr val="008013"/>
+                </a:solidFill>
+                <a:effectLst/>
+                <a:latin typeface="Menlo"/>
+              </a:rPr>
+              <a:t>bright first and dim first are opposite phase</a:t>
+            </a:r>
+            <a:endParaRPr lang="en-US" sz="1800" b="0" i="0" dirty="0">
+              <a:effectLst/>
+              <a:latin typeface="Menlo"/>
+            </a:endParaRPr>
           </a:p>
         </p:txBody>
       </p:sp>
@@ -5269,6 +5510,36 @@
           </a:p>
         </p:txBody>
       </p:sp>
+      <p:pic>
+        <p:nvPicPr>
+          <p:cNvPr id="5" name="Picture 4">
+            <a:extLst>
+              <a:ext uri="{FF2B5EF4-FFF2-40B4-BE49-F238E27FC236}">
+                <a16:creationId xmlns:a16="http://schemas.microsoft.com/office/drawing/2014/main" id="{AB655571-84E5-7628-7B3B-F6265570EDC2}"/>
+              </a:ext>
+            </a:extLst>
+          </p:cNvPr>
+          <p:cNvPicPr>
+            <a:picLocks noChangeAspect="1"/>
+          </p:cNvPicPr>
+          <p:nvPr/>
+        </p:nvPicPr>
+        <p:blipFill>
+          <a:blip r:embed="rId2"/>
+          <a:stretch>
+            <a:fillRect/>
+          </a:stretch>
+        </p:blipFill>
+        <p:spPr>
+          <a:xfrm>
+            <a:off x="-102781" y="903275"/>
+            <a:ext cx="12192000" cy="6196038"/>
+          </a:xfrm>
+          <a:prstGeom prst="rect">
+            <a:avLst/>
+          </a:prstGeom>
+        </p:spPr>
+      </p:pic>
     </p:spTree>
     <p:extLst>
       <p:ext uri="{BB962C8B-B14F-4D97-AF65-F5344CB8AC3E}">
@@ -5349,6 +5620,36 @@
           </a:p>
         </p:txBody>
       </p:sp>
+      <p:pic>
+        <p:nvPicPr>
+          <p:cNvPr id="5" name="Picture 4">
+            <a:extLst>
+              <a:ext uri="{FF2B5EF4-FFF2-40B4-BE49-F238E27FC236}">
+                <a16:creationId xmlns:a16="http://schemas.microsoft.com/office/drawing/2014/main" id="{32118081-560F-4E83-64D3-60C4D96C67CD}"/>
+              </a:ext>
+            </a:extLst>
+          </p:cNvPr>
+          <p:cNvPicPr>
+            <a:picLocks noChangeAspect="1"/>
+          </p:cNvPicPr>
+          <p:nvPr/>
+        </p:nvPicPr>
+        <p:blipFill>
+          <a:blip r:embed="rId2"/>
+          <a:stretch>
+            <a:fillRect/>
+          </a:stretch>
+        </p:blipFill>
+        <p:spPr>
+          <a:xfrm>
+            <a:off x="-85060" y="661962"/>
+            <a:ext cx="12192000" cy="6196038"/>
+          </a:xfrm>
+          <a:prstGeom prst="rect">
+            <a:avLst/>
+          </a:prstGeom>
+        </p:spPr>
+      </p:pic>
     </p:spTree>
     <p:extLst>
       <p:ext uri="{BB962C8B-B14F-4D97-AF65-F5344CB8AC3E}">
@@ -5429,6 +5730,36 @@
           </a:p>
         </p:txBody>
       </p:sp>
+      <p:pic>
+        <p:nvPicPr>
+          <p:cNvPr id="5" name="Picture 4">
+            <a:extLst>
+              <a:ext uri="{FF2B5EF4-FFF2-40B4-BE49-F238E27FC236}">
+                <a16:creationId xmlns:a16="http://schemas.microsoft.com/office/drawing/2014/main" id="{9ADDD3AF-48C5-EF2C-9386-69D989CBA350}"/>
+              </a:ext>
+            </a:extLst>
+          </p:cNvPr>
+          <p:cNvPicPr>
+            <a:picLocks noChangeAspect="1"/>
+          </p:cNvPicPr>
+          <p:nvPr/>
+        </p:nvPicPr>
+        <p:blipFill>
+          <a:blip r:embed="rId2"/>
+          <a:stretch>
+            <a:fillRect/>
+          </a:stretch>
+        </p:blipFill>
+        <p:spPr>
+          <a:xfrm>
+            <a:off x="1524000" y="0"/>
+            <a:ext cx="9144000" cy="6858000"/>
+          </a:xfrm>
+          <a:prstGeom prst="rect">
+            <a:avLst/>
+          </a:prstGeom>
+        </p:spPr>
+      </p:pic>
     </p:spTree>
     <p:extLst>
       <p:ext uri="{BB962C8B-B14F-4D97-AF65-F5344CB8AC3E}">
@@ -5480,7 +5811,11 @@
           <a:bodyPr/>
           <a:lstStyle/>
           <a:p>
-            <a:endParaRPr lang="en-IE"/>
+            <a:r>
+              <a:rPr lang="en-US" altLang="zh-CN" dirty="0"/>
+              <a:t>Low A24; High A23  (correct- wrong)</a:t>
+            </a:r>
+            <a:endParaRPr lang="en-IE" dirty="0"/>
           </a:p>
         </p:txBody>
       </p:sp>
@@ -5509,6 +5844,36 @@
           </a:p>
         </p:txBody>
       </p:sp>
+      <p:pic>
+        <p:nvPicPr>
+          <p:cNvPr id="5" name="Picture 4">
+            <a:extLst>
+              <a:ext uri="{FF2B5EF4-FFF2-40B4-BE49-F238E27FC236}">
+                <a16:creationId xmlns:a16="http://schemas.microsoft.com/office/drawing/2014/main" id="{2469753E-1829-DB9E-BFE0-90623C8AB649}"/>
+              </a:ext>
+            </a:extLst>
+          </p:cNvPr>
+          <p:cNvPicPr>
+            <a:picLocks noChangeAspect="1"/>
+          </p:cNvPicPr>
+          <p:nvPr/>
+        </p:nvPicPr>
+        <p:blipFill>
+          <a:blip r:embed="rId2"/>
+          <a:stretch>
+            <a:fillRect/>
+          </a:stretch>
+        </p:blipFill>
+        <p:spPr>
+          <a:xfrm>
+            <a:off x="0" y="2606478"/>
+            <a:ext cx="12192000" cy="3386667"/>
+          </a:xfrm>
+          <a:prstGeom prst="rect">
+            <a:avLst/>
+          </a:prstGeom>
+        </p:spPr>
+      </p:pic>
     </p:spTree>
     <p:extLst>
       <p:ext uri="{BB962C8B-B14F-4D97-AF65-F5344CB8AC3E}">
@@ -5560,35 +5925,43 @@
           <a:bodyPr/>
           <a:lstStyle/>
           <a:p>
-            <a:endParaRPr lang="en-IE"/>
-          </a:p>
-        </p:txBody>
-      </p:sp>
-      <p:sp>
-        <p:nvSpPr>
-          <p:cNvPr id="3" name="Content Placeholder 2">
-            <a:extLst>
-              <a:ext uri="{FF2B5EF4-FFF2-40B4-BE49-F238E27FC236}">
-                <a16:creationId xmlns:a16="http://schemas.microsoft.com/office/drawing/2014/main" id="{AB8A305B-99A8-BC83-7D8A-BBEE9F156D67}"/>
-              </a:ext>
-            </a:extLst>
-          </p:cNvPr>
-          <p:cNvSpPr>
-            <a:spLocks noGrp="1"/>
-          </p:cNvSpPr>
-          <p:nvPr>
-            <p:ph idx="1"/>
-          </p:nvPr>
-        </p:nvSpPr>
-        <p:spPr/>
-        <p:txBody>
-          <a:bodyPr/>
-          <a:lstStyle/>
-          <a:p>
-            <a:endParaRPr lang="en-IE"/>
-          </a:p>
-        </p:txBody>
-      </p:sp>
+            <a:r>
+              <a:rPr lang="en-IE" dirty="0"/>
+              <a:t>Low vs high(correct vs wrong)</a:t>
+            </a:r>
+          </a:p>
+        </p:txBody>
+      </p:sp>
+      <p:pic>
+        <p:nvPicPr>
+          <p:cNvPr id="5" name="Picture 4">
+            <a:extLst>
+              <a:ext uri="{FF2B5EF4-FFF2-40B4-BE49-F238E27FC236}">
+                <a16:creationId xmlns:a16="http://schemas.microsoft.com/office/drawing/2014/main" id="{58C98AF3-77D2-DC87-8E90-83F7ECA43DBA}"/>
+              </a:ext>
+            </a:extLst>
+          </p:cNvPr>
+          <p:cNvPicPr>
+            <a:picLocks noChangeAspect="1"/>
+          </p:cNvPicPr>
+          <p:nvPr/>
+        </p:nvPicPr>
+        <p:blipFill>
+          <a:blip r:embed="rId2"/>
+          <a:stretch>
+            <a:fillRect/>
+          </a:stretch>
+        </p:blipFill>
+        <p:spPr>
+          <a:xfrm>
+            <a:off x="381000" y="2095500"/>
+            <a:ext cx="11430000" cy="4762500"/>
+          </a:xfrm>
+          <a:prstGeom prst="rect">
+            <a:avLst/>
+          </a:prstGeom>
+        </p:spPr>
+      </p:pic>
     </p:spTree>
     <p:extLst>
       <p:ext uri="{BB962C8B-B14F-4D97-AF65-F5344CB8AC3E}">
